--- a/AndroidDevKotlin/Unit1/Lesson 2 Functions.pptx
+++ b/AndroidDevKotlin/Unit1/Lesson 2 Functions.pptx
@@ -5424,7 +5424,7 @@
         </p:nvSpPr>
         <p:spPr>
           <a:xfrm>
-            <a:off x="381300" y="685800"/>
+            <a:off x="381000" y="685800"/>
             <a:ext cx="6096000" cy="3429000"/>
           </a:xfrm>
           <a:custGeom>
@@ -21100,22 +21100,7 @@
                   </a:extLst>
                 </a:hlinkClick>
               </a:rPr>
-              <a:t>Functions</a:t>
-            </a:r>
-            <a:r>
-              <a:rPr lang="en" u="sng">
-                <a:solidFill>
-                  <a:schemeClr val="accent5"/>
-                </a:solidFill>
-                <a:hlinkClick r:id="rId5" action="ppaction://hlinksldjump">
-                  <a:extLst>
-                    <a:ext uri="{A12FA001-AC4F-418D-AE19-62706E023703}">
-                      <ahyp:hlinkClr xmlns:ahyp="http://schemas.microsoft.com/office/drawing/2018/hyperlinkcolor" val="tx"/>
-                    </a:ext>
-                  </a:extLst>
-                </a:hlinkClick>
-              </a:rPr>
-              <a:t> in Kotlin</a:t>
+              <a:t>Functions in Kotlin</a:t>
             </a:r>
             <a:endParaRPr>
               <a:solidFill>
@@ -23768,10 +23753,10 @@
               <a:buNone/>
             </a:pPr>
             <a:r>
-              <a:rPr lang="en" sz="4200"/>
+              <a:rPr lang="en" sz="4200" dirty="0"/>
               <a:t>Compact functions</a:t>
             </a:r>
-            <a:endParaRPr sz="4200"/>
+            <a:endParaRPr sz="4200" dirty="0"/>
           </a:p>
         </p:txBody>
       </p:sp>
@@ -25023,7 +25008,7 @@
               <a:buNone/>
             </a:pPr>
             <a:r>
-              <a:rPr lang="en" sz="1800">
+              <a:rPr lang="en" sz="1800" dirty="0">
                 <a:solidFill>
                   <a:srgbClr val="3F51B5"/>
                 </a:solidFill>
@@ -25035,27 +25020,45 @@
               <a:t>var</a:t>
             </a:r>
             <a:r>
-              <a:rPr lang="en" sz="1800">
+              <a:rPr lang="en" sz="1800" dirty="0">
                 <a:latin typeface="Consolas"/>
                 <a:ea typeface="Consolas"/>
                 <a:cs typeface="Consolas"/>
                 <a:sym typeface="Consolas"/>
               </a:rPr>
-              <a:t> dirtLevel = </a:t>
-            </a:r>
-            <a:r>
-              <a:rPr lang="en" sz="1800">
-                <a:solidFill>
-                  <a:srgbClr val="C53929"/>
-                </a:solidFill>
+              <a:t> </a:t>
+            </a:r>
+            <a:r>
+              <a:rPr lang="en" sz="1800" dirty="0" err="1">
                 <a:latin typeface="Consolas"/>
                 <a:ea typeface="Consolas"/>
                 <a:cs typeface="Consolas"/>
                 <a:sym typeface="Consolas"/>
               </a:rPr>
+              <a:t>dirtLevel</a:t>
+            </a:r>
+            <a:r>
+              <a:rPr lang="en" sz="1800" dirty="0">
+                <a:latin typeface="Consolas"/>
+                <a:ea typeface="Consolas"/>
+                <a:cs typeface="Consolas"/>
+                <a:sym typeface="Consolas"/>
+              </a:rPr>
+              <a:t> = </a:t>
+            </a:r>
+            <a:r>
+              <a:rPr lang="en" sz="1800" dirty="0">
+                <a:solidFill>
+                  <a:srgbClr val="C53929"/>
+                </a:solidFill>
+                <a:latin typeface="Consolas"/>
+                <a:ea typeface="Consolas"/>
+                <a:cs typeface="Consolas"/>
+                <a:sym typeface="Consolas"/>
+              </a:rPr>
               <a:t>20</a:t>
             </a:r>
-            <a:endParaRPr sz="1800">
+            <a:endParaRPr sz="1800" dirty="0">
               <a:solidFill>
                 <a:srgbClr val="C53929"/>
               </a:solidFill>
@@ -25081,7 +25084,7 @@
               <a:buNone/>
             </a:pPr>
             <a:r>
-              <a:rPr lang="en" sz="1800">
+              <a:rPr lang="en" sz="1800" dirty="0" err="1">
                 <a:solidFill>
                   <a:srgbClr val="3F51B5"/>
                 </a:solidFill>
@@ -25093,45 +25096,63 @@
               <a:t>val</a:t>
             </a:r>
             <a:r>
-              <a:rPr lang="en" sz="1800">
+              <a:rPr lang="en" sz="1800" dirty="0">
                 <a:latin typeface="Consolas"/>
                 <a:ea typeface="Consolas"/>
                 <a:cs typeface="Consolas"/>
                 <a:sym typeface="Consolas"/>
               </a:rPr>
-              <a:t> waterFilter = </a:t>
-            </a:r>
-            <a:r>
-              <a:rPr lang="en" sz="1800" b="1">
+              <a:t> </a:t>
+            </a:r>
+            <a:r>
+              <a:rPr lang="en" sz="1800" dirty="0" err="1">
                 <a:latin typeface="Consolas"/>
                 <a:ea typeface="Consolas"/>
                 <a:cs typeface="Consolas"/>
                 <a:sym typeface="Consolas"/>
               </a:rPr>
-              <a:t>{level: Int -&gt; level / </a:t>
-            </a:r>
-            <a:r>
-              <a:rPr lang="en" sz="1800" b="1">
-                <a:solidFill>
-                  <a:srgbClr val="C53929"/>
-                </a:solidFill>
+              <a:t>waterFilter</a:t>
+            </a:r>
+            <a:r>
+              <a:rPr lang="en" sz="1800" dirty="0">
                 <a:latin typeface="Consolas"/>
                 <a:ea typeface="Consolas"/>
                 <a:cs typeface="Consolas"/>
                 <a:sym typeface="Consolas"/>
               </a:rPr>
-              <a:t>2</a:t>
-            </a:r>
-            <a:r>
-              <a:rPr lang="en" sz="1800" b="1">
+              <a:t> = </a:t>
+            </a:r>
+            <a:r>
+              <a:rPr lang="en" sz="1800" b="1" dirty="0">
                 <a:latin typeface="Consolas"/>
                 <a:ea typeface="Consolas"/>
                 <a:cs typeface="Consolas"/>
                 <a:sym typeface="Consolas"/>
               </a:rPr>
+              <a:t>{level: Int -&gt; level / </a:t>
+            </a:r>
+            <a:r>
+              <a:rPr lang="en" sz="1800" b="1" dirty="0">
+                <a:solidFill>
+                  <a:srgbClr val="C53929"/>
+                </a:solidFill>
+                <a:latin typeface="Consolas"/>
+                <a:ea typeface="Consolas"/>
+                <a:cs typeface="Consolas"/>
+                <a:sym typeface="Consolas"/>
+              </a:rPr>
+              <a:t>2</a:t>
+            </a:r>
+            <a:r>
+              <a:rPr lang="en" sz="1800" b="1" dirty="0">
+                <a:latin typeface="Consolas"/>
+                <a:ea typeface="Consolas"/>
+                <a:cs typeface="Consolas"/>
+                <a:sym typeface="Consolas"/>
+              </a:rPr>
               <a:t>}</a:t>
             </a:r>
-            <a:endParaRPr sz="1800" b="1">
+            <a:endParaRPr sz="1800" b="1" dirty="0">
               <a:latin typeface="Consolas"/>
               <a:ea typeface="Consolas"/>
               <a:cs typeface="Consolas"/>
@@ -25154,15 +25175,60 @@
               <a:buNone/>
             </a:pPr>
             <a:r>
-              <a:rPr lang="en" sz="1800">
+              <a:rPr lang="en" sz="1800" dirty="0" err="1">
                 <a:latin typeface="Consolas"/>
                 <a:ea typeface="Consolas"/>
                 <a:cs typeface="Consolas"/>
                 <a:sym typeface="Consolas"/>
               </a:rPr>
-              <a:t>println(waterFilter(dirtLevel))</a:t>
-            </a:r>
-            <a:endParaRPr sz="1800">
+              <a:t>println</a:t>
+            </a:r>
+            <a:r>
+              <a:rPr lang="en" sz="1800" dirty="0">
+                <a:latin typeface="Consolas"/>
+                <a:ea typeface="Consolas"/>
+                <a:cs typeface="Consolas"/>
+                <a:sym typeface="Consolas"/>
+              </a:rPr>
+              <a:t>(</a:t>
+            </a:r>
+            <a:r>
+              <a:rPr lang="en" sz="1800" dirty="0" err="1">
+                <a:latin typeface="Consolas"/>
+                <a:ea typeface="Consolas"/>
+                <a:cs typeface="Consolas"/>
+                <a:sym typeface="Consolas"/>
+              </a:rPr>
+              <a:t>waterFilter</a:t>
+            </a:r>
+            <a:r>
+              <a:rPr lang="en" sz="1800" dirty="0">
+                <a:latin typeface="Consolas"/>
+                <a:ea typeface="Consolas"/>
+                <a:cs typeface="Consolas"/>
+                <a:sym typeface="Consolas"/>
+              </a:rPr>
+              <a:t>(</a:t>
+            </a:r>
+            <a:r>
+              <a:rPr lang="en" sz="1800" dirty="0" err="1">
+                <a:latin typeface="Consolas"/>
+                <a:ea typeface="Consolas"/>
+                <a:cs typeface="Consolas"/>
+                <a:sym typeface="Consolas"/>
+              </a:rPr>
+              <a:t>dirtLevel</a:t>
+            </a:r>
+            <a:r>
+              <a:rPr lang="en" sz="1800" dirty="0">
+                <a:latin typeface="Consolas"/>
+                <a:ea typeface="Consolas"/>
+                <a:cs typeface="Consolas"/>
+                <a:sym typeface="Consolas"/>
+              </a:rPr>
+              <a:t>))</a:t>
+            </a:r>
+            <a:endParaRPr sz="1800" dirty="0">
               <a:latin typeface="Consolas"/>
               <a:ea typeface="Consolas"/>
               <a:cs typeface="Consolas"/>
@@ -25180,7 +25246,7 @@
               <a:buNone/>
             </a:pPr>
             <a:r>
-              <a:rPr lang="en" sz="1800">
+              <a:rPr lang="en" sz="1800" dirty="0">
                 <a:solidFill>
                   <a:srgbClr val="1155CC"/>
                 </a:solidFill>
@@ -25191,7 +25257,7 @@
               </a:rPr>
               <a:t>⇒ 10</a:t>
             </a:r>
-            <a:endParaRPr/>
+            <a:endParaRPr dirty="0"/>
           </a:p>
         </p:txBody>
       </p:sp>
@@ -26434,7 +26500,7 @@
         </p:nvSpPr>
         <p:spPr>
           <a:xfrm>
-            <a:off x="342900" y="2034001"/>
+            <a:off x="397808" y="1788176"/>
             <a:ext cx="8329800" cy="1216800"/>
           </a:xfrm>
           <a:prstGeom prst="rect">
@@ -26469,7 +26535,7 @@
               <a:buNone/>
             </a:pPr>
             <a:r>
-              <a:rPr lang="en" sz="1800">
+              <a:rPr lang="en" sz="1800" dirty="0">
                 <a:solidFill>
                   <a:srgbClr val="3F51B5"/>
                 </a:solidFill>
@@ -26481,7 +26547,7 @@
               <a:t>fun</a:t>
             </a:r>
             <a:r>
-              <a:rPr lang="en" sz="1800">
+              <a:rPr lang="en" sz="1800" dirty="0">
                 <a:solidFill>
                   <a:srgbClr val="37474F"/>
                 </a:solidFill>
@@ -26490,9 +26556,33 @@
                 <a:cs typeface="Consolas"/>
                 <a:sym typeface="Consolas"/>
               </a:rPr>
-              <a:t> encodeMsg(msg: String, encode: (String) -&gt; String): String {​</a:t>
-            </a:r>
-            <a:endParaRPr sz="1800">
+              <a:t> </a:t>
+            </a:r>
+            <a:r>
+              <a:rPr lang="en" sz="1800" dirty="0" err="1">
+                <a:solidFill>
+                  <a:srgbClr val="37474F"/>
+                </a:solidFill>
+                <a:latin typeface="Consolas"/>
+                <a:ea typeface="Consolas"/>
+                <a:cs typeface="Consolas"/>
+                <a:sym typeface="Consolas"/>
+              </a:rPr>
+              <a:t>encodeMsg</a:t>
+            </a:r>
+            <a:r>
+              <a:rPr lang="en" sz="1800" dirty="0">
+                <a:solidFill>
+                  <a:srgbClr val="37474F"/>
+                </a:solidFill>
+                <a:latin typeface="Consolas"/>
+                <a:ea typeface="Consolas"/>
+                <a:cs typeface="Consolas"/>
+                <a:sym typeface="Consolas"/>
+              </a:rPr>
+              <a:t>(msg: String, encode: (String) -&gt; String): String {​</a:t>
+            </a:r>
+            <a:endParaRPr sz="1800" dirty="0">
               <a:solidFill>
                 <a:srgbClr val="37474F"/>
               </a:solidFill>
@@ -26521,7 +26611,7 @@
               <a:buNone/>
             </a:pPr>
             <a:r>
-              <a:rPr lang="en" sz="1800">
+              <a:rPr lang="en" sz="1800" dirty="0">
                 <a:solidFill>
                   <a:srgbClr val="37474F"/>
                 </a:solidFill>
@@ -26533,7 +26623,7 @@
               <a:t>    </a:t>
             </a:r>
             <a:r>
-              <a:rPr lang="en" sz="1800">
+              <a:rPr lang="en" sz="1800" dirty="0">
                 <a:solidFill>
                   <a:srgbClr val="3F51B5"/>
                 </a:solidFill>
@@ -26545,7 +26635,7 @@
               <a:t>return</a:t>
             </a:r>
             <a:r>
-              <a:rPr lang="en" sz="1800">
+              <a:rPr lang="en" sz="1800" dirty="0">
                 <a:solidFill>
                   <a:srgbClr val="37474F"/>
                 </a:solidFill>
@@ -26556,7 +26646,7 @@
               </a:rPr>
               <a:t> encode(msg)</a:t>
             </a:r>
-            <a:endParaRPr sz="1800">
+            <a:endParaRPr sz="1800" dirty="0">
               <a:solidFill>
                 <a:srgbClr val="37474F"/>
               </a:solidFill>
@@ -26585,7 +26675,7 @@
               <a:buNone/>
             </a:pPr>
             <a:r>
-              <a:rPr lang="en" sz="1800">
+              <a:rPr lang="en" sz="1800" dirty="0">
                 <a:solidFill>
                   <a:srgbClr val="37474F"/>
                 </a:solidFill>
@@ -26596,7 +26686,7 @@
               </a:rPr>
               <a:t>}</a:t>
             </a:r>
-            <a:endParaRPr sz="1800">
+            <a:endParaRPr sz="1800" dirty="0">
               <a:latin typeface="Consolas"/>
               <a:ea typeface="Consolas"/>
               <a:cs typeface="Consolas"/>
@@ -26621,7 +26711,7 @@
               <a:buFont typeface="Arial"/>
               <a:buNone/>
             </a:pPr>
-            <a:endParaRPr sz="1800">
+            <a:endParaRPr sz="1800" dirty="0">
               <a:latin typeface="Consolas"/>
               <a:ea typeface="Consolas"/>
               <a:cs typeface="Consolas"/>
@@ -26638,7 +26728,7 @@
         </p:nvSpPr>
         <p:spPr>
           <a:xfrm>
-            <a:off x="311700" y="3471350"/>
+            <a:off x="302408" y="3682122"/>
             <a:ext cx="8520600" cy="742800"/>
           </a:xfrm>
           <a:prstGeom prst="rect">
@@ -26668,7 +26758,7 @@
               <a:buNone/>
             </a:pPr>
             <a:r>
-              <a:rPr lang="en" sz="1800">
+              <a:rPr lang="en" sz="1800" dirty="0">
                 <a:latin typeface="Roboto"/>
                 <a:ea typeface="Roboto"/>
                 <a:cs typeface="Roboto"/>
@@ -26676,7 +26766,7 @@
               </a:rPr>
               <a:t>The body of the code calls the function that was passed as the second argument, and passes the first argument along to it.</a:t>
             </a:r>
-            <a:endParaRPr sz="1800">
+            <a:endParaRPr sz="1800" dirty="0">
               <a:latin typeface="Roboto"/>
               <a:ea typeface="Roboto"/>
               <a:cs typeface="Roboto"/>
@@ -26879,7 +26969,7 @@
               <a:buNone/>
             </a:pPr>
             <a:r>
-              <a:rPr lang="en" sz="1800">
+              <a:rPr lang="en" sz="1800" dirty="0" err="1">
                 <a:solidFill>
                   <a:srgbClr val="3F51B5"/>
                 </a:solidFill>
@@ -26891,15 +26981,33 @@
               <a:t>val</a:t>
             </a:r>
             <a:r>
-              <a:rPr lang="en" sz="1800">
+              <a:rPr lang="en" sz="1800" dirty="0">
                 <a:latin typeface="Consolas"/>
                 <a:ea typeface="Consolas"/>
                 <a:cs typeface="Consolas"/>
                 <a:sym typeface="Consolas"/>
               </a:rPr>
-              <a:t> enc1: (String) -&gt; String = { input -&gt; input.toUpperCase() }</a:t>
-            </a:r>
-            <a:endParaRPr sz="1800">
+              <a:t> enc1: (String) -&gt; String = { input -&gt; </a:t>
+            </a:r>
+            <a:r>
+              <a:rPr lang="en" sz="1800" dirty="0" err="1">
+                <a:latin typeface="Consolas"/>
+                <a:ea typeface="Consolas"/>
+                <a:cs typeface="Consolas"/>
+                <a:sym typeface="Consolas"/>
+              </a:rPr>
+              <a:t>input.toUpperCase</a:t>
+            </a:r>
+            <a:r>
+              <a:rPr lang="en" sz="1800" dirty="0">
+                <a:latin typeface="Consolas"/>
+                <a:ea typeface="Consolas"/>
+                <a:cs typeface="Consolas"/>
+                <a:sym typeface="Consolas"/>
+              </a:rPr>
+              <a:t>() }</a:t>
+            </a:r>
+            <a:endParaRPr sz="1800" dirty="0">
               <a:latin typeface="Consolas"/>
               <a:ea typeface="Consolas"/>
               <a:cs typeface="Consolas"/>
@@ -26925,54 +27033,96 @@
               <a:buNone/>
             </a:pPr>
             <a:r>
-              <a:rPr lang="en" sz="1800">
+              <a:rPr lang="en" sz="1800" dirty="0" err="1">
                 <a:latin typeface="Consolas"/>
                 <a:ea typeface="Consolas"/>
                 <a:cs typeface="Consolas"/>
                 <a:sym typeface="Consolas"/>
               </a:rPr>
-              <a:t>println(</a:t>
-            </a:r>
-            <a:r>
-              <a:rPr lang="en" sz="1800" b="1">
+              <a:t>println</a:t>
+            </a:r>
+            <a:r>
+              <a:rPr lang="en" sz="1800" dirty="0">
                 <a:latin typeface="Consolas"/>
                 <a:ea typeface="Consolas"/>
                 <a:cs typeface="Consolas"/>
                 <a:sym typeface="Consolas"/>
               </a:rPr>
-              <a:t>encodeMsg(</a:t>
-            </a:r>
-            <a:r>
-              <a:rPr lang="en" sz="1800" b="1">
-                <a:solidFill>
-                  <a:srgbClr val="388E3C"/>
-                </a:solidFill>
+              <a:t>(</a:t>
+            </a:r>
+            <a:r>
+              <a:rPr lang="en" sz="1800" b="1" dirty="0" err="1">
                 <a:latin typeface="Consolas"/>
                 <a:ea typeface="Consolas"/>
                 <a:cs typeface="Consolas"/>
                 <a:sym typeface="Consolas"/>
               </a:rPr>
-              <a:t>"abc"</a:t>
-            </a:r>
-            <a:r>
-              <a:rPr lang="en" sz="1800" b="1">
+              <a:t>encodeMsg</a:t>
+            </a:r>
+            <a:r>
+              <a:rPr lang="en" sz="1800" b="1" dirty="0">
                 <a:latin typeface="Consolas"/>
                 <a:ea typeface="Consolas"/>
                 <a:cs typeface="Consolas"/>
                 <a:sym typeface="Consolas"/>
               </a:rPr>
-              <a:t>, enc1)</a:t>
-            </a:r>
-            <a:r>
-              <a:rPr lang="en" sz="1800">
+              <a:t>(</a:t>
+            </a:r>
+            <a:r>
+              <a:rPr lang="en" sz="1800" b="1" dirty="0">
+                <a:solidFill>
+                  <a:srgbClr val="388E3C"/>
+                </a:solidFill>
                 <a:latin typeface="Consolas"/>
                 <a:ea typeface="Consolas"/>
                 <a:cs typeface="Consolas"/>
                 <a:sym typeface="Consolas"/>
               </a:rPr>
+              <a:t>"</a:t>
+            </a:r>
+            <a:r>
+              <a:rPr lang="en" sz="1800" b="1" dirty="0" err="1">
+                <a:solidFill>
+                  <a:srgbClr val="388E3C"/>
+                </a:solidFill>
+                <a:latin typeface="Consolas"/>
+                <a:ea typeface="Consolas"/>
+                <a:cs typeface="Consolas"/>
+                <a:sym typeface="Consolas"/>
+              </a:rPr>
+              <a:t>abc</a:t>
+            </a:r>
+            <a:r>
+              <a:rPr lang="en" sz="1800" b="1" dirty="0">
+                <a:solidFill>
+                  <a:srgbClr val="388E3C"/>
+                </a:solidFill>
+                <a:latin typeface="Consolas"/>
+                <a:ea typeface="Consolas"/>
+                <a:cs typeface="Consolas"/>
+                <a:sym typeface="Consolas"/>
+              </a:rPr>
+              <a:t>"</a:t>
+            </a:r>
+            <a:r>
+              <a:rPr lang="en" sz="1800" b="1" dirty="0">
+                <a:latin typeface="Consolas"/>
+                <a:ea typeface="Consolas"/>
+                <a:cs typeface="Consolas"/>
+                <a:sym typeface="Consolas"/>
+              </a:rPr>
+              <a:t>, enc1)</a:t>
+            </a:r>
+            <a:r>
+              <a:rPr lang="en" sz="1800" dirty="0">
+                <a:latin typeface="Consolas"/>
+                <a:ea typeface="Consolas"/>
+                <a:cs typeface="Consolas"/>
+                <a:sym typeface="Consolas"/>
+              </a:rPr>
               <a:t>)</a:t>
             </a:r>
-            <a:endParaRPr sz="1800">
+            <a:endParaRPr sz="1800" dirty="0">
               <a:latin typeface="Consolas"/>
               <a:ea typeface="Consolas"/>
               <a:cs typeface="Consolas"/>
@@ -26997,7 +27147,7 @@
               <a:buFont typeface="Arial"/>
               <a:buNone/>
             </a:pPr>
-            <a:endParaRPr sz="1800">
+            <a:endParaRPr sz="1800" dirty="0">
               <a:latin typeface="Consolas"/>
               <a:ea typeface="Consolas"/>
               <a:cs typeface="Consolas"/>
@@ -27022,7 +27172,7 @@
               <a:buFont typeface="Arial"/>
               <a:buNone/>
             </a:pPr>
-            <a:endParaRPr sz="1800">
+            <a:endParaRPr sz="1800" dirty="0">
               <a:latin typeface="Consolas"/>
               <a:ea typeface="Consolas"/>
               <a:cs typeface="Consolas"/>
@@ -27042,7 +27192,7 @@
               </a:spcAft>
               <a:buNone/>
             </a:pPr>
-            <a:endParaRPr sz="1800">
+            <a:endParaRPr sz="1800" dirty="0">
               <a:latin typeface="Consolas"/>
               <a:ea typeface="Consolas"/>
               <a:cs typeface="Consolas"/>
@@ -27806,10 +27956,10 @@
               <a:buNone/>
             </a:pPr>
             <a:r>
-              <a:rPr lang="en"/>
+              <a:rPr lang="en" dirty="0"/>
               <a:t>Last parameter call syntax</a:t>
             </a:r>
-            <a:endParaRPr/>
+            <a:endParaRPr dirty="0"/>
           </a:p>
         </p:txBody>
       </p:sp>
@@ -28099,36 +28249,63 @@
               <a:buNone/>
             </a:pPr>
             <a:r>
-              <a:rPr lang="en" sz="1800">
+              <a:rPr lang="en" sz="1800" dirty="0" err="1">
                 <a:latin typeface="Consolas"/>
                 <a:ea typeface="Consolas"/>
                 <a:cs typeface="Consolas"/>
                 <a:sym typeface="Consolas"/>
               </a:rPr>
-              <a:t>encodeMsg(</a:t>
-            </a:r>
-            <a:r>
-              <a:rPr lang="en" sz="1800">
-                <a:solidFill>
-                  <a:srgbClr val="388E3C"/>
-                </a:solidFill>
+              <a:t>encodeMsg</a:t>
+            </a:r>
+            <a:r>
+              <a:rPr lang="en" sz="1800" dirty="0">
                 <a:latin typeface="Consolas"/>
                 <a:ea typeface="Consolas"/>
                 <a:cs typeface="Consolas"/>
                 <a:sym typeface="Consolas"/>
               </a:rPr>
-              <a:t>"acronym"</a:t>
-            </a:r>
-            <a:r>
-              <a:rPr lang="en" sz="1800">
+              <a:t>(</a:t>
+            </a:r>
+            <a:r>
+              <a:rPr lang="en" sz="1800" dirty="0">
+                <a:solidFill>
+                  <a:srgbClr val="388E3C"/>
+                </a:solidFill>
                 <a:latin typeface="Consolas"/>
                 <a:ea typeface="Consolas"/>
                 <a:cs typeface="Consolas"/>
                 <a:sym typeface="Consolas"/>
               </a:rPr>
-              <a:t>) { input -&gt; input.toUpperCase() }</a:t>
-            </a:r>
-            <a:endParaRPr sz="1800">
+              <a:t>"acronym"</a:t>
+            </a:r>
+            <a:r>
+              <a:rPr lang="en" sz="1800" dirty="0">
+                <a:latin typeface="Consolas"/>
+                <a:ea typeface="Consolas"/>
+                <a:cs typeface="Consolas"/>
+                <a:sym typeface="Consolas"/>
+              </a:rPr>
+              <a:t>) { input -&gt; </a:t>
+            </a:r>
+            <a:r>
+              <a:rPr lang="en" sz="1800" dirty="0" err="1">
+                <a:latin typeface="Consolas"/>
+                <a:ea typeface="Consolas"/>
+                <a:cs typeface="Consolas"/>
+                <a:sym typeface="Consolas"/>
+              </a:rPr>
+              <a:t>input.toUpperCase</a:t>
+            </a:r>
+            <a:r>
+              <a:rPr lang="en" sz="1800" dirty="0">
+                <a:latin typeface="Consolas"/>
+                <a:ea typeface="Consolas"/>
+                <a:cs typeface="Consolas"/>
+                <a:sym typeface="Consolas"/>
+              </a:rPr>
+              <a:t>() }</a:t>
+            </a:r>
+            <a:endParaRPr sz="1800" dirty="0">
               <a:latin typeface="Consolas"/>
               <a:ea typeface="Consolas"/>
               <a:cs typeface="Consolas"/>
@@ -34821,25 +34998,7 @@
                   </a:extLst>
                 </a:hlinkClick>
               </a:rPr>
-              <a:t>Create</a:t>
-            </a:r>
-            <a:r>
-              <a:rPr lang="en" sz="2000">
-                <a:solidFill>
-                  <a:srgbClr val="1C4587"/>
-                </a:solidFill>
-                <a:uFill>
-                  <a:noFill/>
-                </a:uFill>
-                <a:hlinkClick r:id="rId3" action="ppaction://hlinksldjump">
-                  <a:extLst>
-                    <a:ext uri="{A12FA001-AC4F-418D-AE19-62706E023703}">
-                      <ahyp:hlinkClr xmlns:ahyp="http://schemas.microsoft.com/office/drawing/2018/hyperlinkcolor" val="tx"/>
-                    </a:ext>
-                  </a:extLst>
-                </a:hlinkClick>
-              </a:rPr>
-              <a:t> a file and a </a:t>
+              <a:t>Create a file and a </a:t>
             </a:r>
             <a:r>
               <a:rPr lang="en" sz="2000">
